--- a/Presentazione/Presentazione.pptx
+++ b/Presentazione/Presentazione.pptx
@@ -6,6 +6,12 @@
   </p:sldMasterIdLst>
   <p:sldIdLst>
     <p:sldId id="256" r:id="rId2"/>
+    <p:sldId id="258" r:id="rId3"/>
+    <p:sldId id="259" r:id="rId4"/>
+    <p:sldId id="260" r:id="rId5"/>
+    <p:sldId id="261" r:id="rId6"/>
+    <p:sldId id="262" r:id="rId7"/>
+    <p:sldId id="263" r:id="rId8"/>
   </p:sldIdLst>
   <p:sldSz cx="12192000" cy="6858000"/>
   <p:notesSz cx="6858000" cy="9144000"/>
@@ -104,6 +110,11 @@
       </a:defRPr>
     </a:lvl9pPr>
   </p:defaultTextStyle>
+  <p:extLst>
+    <p:ext uri="{EFAFB233-063F-42B5-8137-9DF3F51BA10A}">
+      <p15:sldGuideLst xmlns:p15="http://schemas.microsoft.com/office/powerpoint/2012/main"/>
+    </p:ext>
+  </p:extLst>
 </p:presentation>
 </file>
 
@@ -331,7 +342,7 @@
           <a:p>
             <a:fld id="{B9688C93-473B-1C4E-B289-3F491B14F9F7}" type="datetimeFigureOut">
               <a:rPr lang="en-IT" smtClean="0"/>
-              <a:t>22/03/2020</a:t>
+              <a:t>24/03/2020</a:t>
             </a:fld>
             <a:endParaRPr lang="en-IT"/>
           </a:p>
@@ -501,7 +512,7 @@
           <a:p>
             <a:fld id="{B9688C93-473B-1C4E-B289-3F491B14F9F7}" type="datetimeFigureOut">
               <a:rPr lang="en-IT" smtClean="0"/>
-              <a:t>22/03/2020</a:t>
+              <a:t>24/03/2020</a:t>
             </a:fld>
             <a:endParaRPr lang="en-IT"/>
           </a:p>
@@ -681,7 +692,7 @@
           <a:p>
             <a:fld id="{B9688C93-473B-1C4E-B289-3F491B14F9F7}" type="datetimeFigureOut">
               <a:rPr lang="en-IT" smtClean="0"/>
-              <a:t>22/03/2020</a:t>
+              <a:t>24/03/2020</a:t>
             </a:fld>
             <a:endParaRPr lang="en-IT"/>
           </a:p>
@@ -851,7 +862,7 @@
           <a:p>
             <a:fld id="{B9688C93-473B-1C4E-B289-3F491B14F9F7}" type="datetimeFigureOut">
               <a:rPr lang="en-IT" smtClean="0"/>
-              <a:t>22/03/2020</a:t>
+              <a:t>24/03/2020</a:t>
             </a:fld>
             <a:endParaRPr lang="en-IT"/>
           </a:p>
@@ -1109,7 +1120,7 @@
           <a:p>
             <a:fld id="{B9688C93-473B-1C4E-B289-3F491B14F9F7}" type="datetimeFigureOut">
               <a:rPr lang="en-IT" smtClean="0"/>
-              <a:t>22/03/2020</a:t>
+              <a:t>24/03/2020</a:t>
             </a:fld>
             <a:endParaRPr lang="en-IT"/>
           </a:p>
@@ -1397,7 +1408,7 @@
           <a:p>
             <a:fld id="{B9688C93-473B-1C4E-B289-3F491B14F9F7}" type="datetimeFigureOut">
               <a:rPr lang="en-IT" smtClean="0"/>
-              <a:t>22/03/2020</a:t>
+              <a:t>24/03/2020</a:t>
             </a:fld>
             <a:endParaRPr lang="en-IT"/>
           </a:p>
@@ -1839,7 +1850,7 @@
           <a:p>
             <a:fld id="{B9688C93-473B-1C4E-B289-3F491B14F9F7}" type="datetimeFigureOut">
               <a:rPr lang="en-IT" smtClean="0"/>
-              <a:t>22/03/2020</a:t>
+              <a:t>24/03/2020</a:t>
             </a:fld>
             <a:endParaRPr lang="en-IT"/>
           </a:p>
@@ -1957,7 +1968,7 @@
           <a:p>
             <a:fld id="{B9688C93-473B-1C4E-B289-3F491B14F9F7}" type="datetimeFigureOut">
               <a:rPr lang="en-IT" smtClean="0"/>
-              <a:t>22/03/2020</a:t>
+              <a:t>24/03/2020</a:t>
             </a:fld>
             <a:endParaRPr lang="en-IT"/>
           </a:p>
@@ -2052,7 +2063,7 @@
           <a:p>
             <a:fld id="{B9688C93-473B-1C4E-B289-3F491B14F9F7}" type="datetimeFigureOut">
               <a:rPr lang="en-IT" smtClean="0"/>
-              <a:t>22/03/2020</a:t>
+              <a:t>24/03/2020</a:t>
             </a:fld>
             <a:endParaRPr lang="en-IT"/>
           </a:p>
@@ -2340,7 +2351,7 @@
           <a:p>
             <a:fld id="{B9688C93-473B-1C4E-B289-3F491B14F9F7}" type="datetimeFigureOut">
               <a:rPr lang="en-IT" smtClean="0"/>
-              <a:t>22/03/2020</a:t>
+              <a:t>24/03/2020</a:t>
             </a:fld>
             <a:endParaRPr lang="en-IT"/>
           </a:p>
@@ -2613,7 +2624,7 @@
           <a:p>
             <a:fld id="{B9688C93-473B-1C4E-B289-3F491B14F9F7}" type="datetimeFigureOut">
               <a:rPr lang="en-IT" smtClean="0"/>
-              <a:t>22/03/2020</a:t>
+              <a:t>24/03/2020</a:t>
             </a:fld>
             <a:endParaRPr lang="en-IT"/>
           </a:p>
@@ -2910,7 +2921,7 @@
           <a:p>
             <a:fld id="{B9688C93-473B-1C4E-B289-3F491B14F9F7}" type="datetimeFigureOut">
               <a:rPr lang="en-IT" smtClean="0"/>
-              <a:t>22/03/2020</a:t>
+              <a:t>24/03/2020</a:t>
             </a:fld>
             <a:endParaRPr lang="en-IT"/>
           </a:p>
@@ -3524,6 +3535,1708 @@
 </p:sld>
 </file>
 
+<file path=ppt/slides/slide2.xml><?xml version="1.0" encoding="utf-8"?>
+<p:sld xmlns:a="http://schemas.openxmlformats.org/drawingml/2006/main" xmlns:r="http://schemas.openxmlformats.org/officeDocument/2006/relationships" xmlns:p="http://schemas.openxmlformats.org/presentationml/2006/main">
+  <p:cSld>
+    <p:spTree>
+      <p:nvGrpSpPr>
+        <p:cNvPr id="1" name=""/>
+        <p:cNvGrpSpPr/>
+        <p:nvPr/>
+      </p:nvGrpSpPr>
+      <p:grpSpPr>
+        <a:xfrm>
+          <a:off x="0" y="0"/>
+          <a:ext cx="0" cy="0"/>
+          <a:chOff x="0" y="0"/>
+          <a:chExt cx="0" cy="0"/>
+        </a:xfrm>
+      </p:grpSpPr>
+      <p:sp>
+        <p:nvSpPr>
+          <p:cNvPr id="2" name="Title 1">
+            <a:extLst>
+              <a:ext uri="{FF2B5EF4-FFF2-40B4-BE49-F238E27FC236}">
+                <a16:creationId xmlns:a16="http://schemas.microsoft.com/office/drawing/2014/main" id="{23FB7433-40F5-7446-B1C7-7142CACB67D3}"/>
+              </a:ext>
+            </a:extLst>
+          </p:cNvPr>
+          <p:cNvSpPr>
+            <a:spLocks noGrp="1"/>
+          </p:cNvSpPr>
+          <p:nvPr>
+            <p:ph type="title"/>
+          </p:nvPr>
+        </p:nvSpPr>
+        <p:spPr/>
+        <p:txBody>
+          <a:bodyPr/>
+          <a:lstStyle/>
+          <a:p>
+            <a:r>
+              <a:rPr lang="en-IT" dirty="0"/>
+              <a:t>Sviluppo</a:t>
+            </a:r>
+            <a:br>
+              <a:rPr lang="en-IT" dirty="0"/>
+            </a:br>
+            <a:r>
+              <a:rPr lang="en-IT" dirty="0"/>
+              <a:t>Prodotto</a:t>
+            </a:r>
+          </a:p>
+        </p:txBody>
+      </p:sp>
+      <p:sp>
+        <p:nvSpPr>
+          <p:cNvPr id="5" name="Text Placeholder 4">
+            <a:extLst>
+              <a:ext uri="{FF2B5EF4-FFF2-40B4-BE49-F238E27FC236}">
+                <a16:creationId xmlns:a16="http://schemas.microsoft.com/office/drawing/2014/main" id="{59E79EBB-B641-2443-808F-B09A03615D4E}"/>
+              </a:ext>
+            </a:extLst>
+          </p:cNvPr>
+          <p:cNvSpPr>
+            <a:spLocks noGrp="1"/>
+          </p:cNvSpPr>
+          <p:nvPr>
+            <p:ph type="body" idx="1"/>
+          </p:nvPr>
+        </p:nvSpPr>
+        <p:spPr/>
+        <p:txBody>
+          <a:bodyPr>
+            <a:normAutofit/>
+          </a:bodyPr>
+          <a:lstStyle/>
+          <a:p>
+            <a:r>
+              <a:rPr lang="en-IT" sz="3200" dirty="0"/>
+              <a:t>HARDWARE</a:t>
+            </a:r>
+          </a:p>
+        </p:txBody>
+      </p:sp>
+      <p:sp>
+        <p:nvSpPr>
+          <p:cNvPr id="3" name="Content Placeholder 2">
+            <a:extLst>
+              <a:ext uri="{FF2B5EF4-FFF2-40B4-BE49-F238E27FC236}">
+                <a16:creationId xmlns:a16="http://schemas.microsoft.com/office/drawing/2014/main" id="{E5E3FCD9-2F13-1F48-B38C-A0C114442E27}"/>
+              </a:ext>
+            </a:extLst>
+          </p:cNvPr>
+          <p:cNvSpPr>
+            <a:spLocks noGrp="1"/>
+          </p:cNvSpPr>
+          <p:nvPr>
+            <p:ph sz="half" idx="2"/>
+          </p:nvPr>
+        </p:nvSpPr>
+        <p:spPr>
+          <a:xfrm>
+            <a:off x="3867912" y="1930936"/>
+            <a:ext cx="3474720" cy="2542452"/>
+          </a:xfrm>
+        </p:spPr>
+        <p:txBody>
+          <a:bodyPr>
+            <a:normAutofit lnSpcReduction="10000"/>
+          </a:bodyPr>
+          <a:lstStyle/>
+          <a:p>
+            <a:r>
+              <a:rPr lang="en-IT" sz="2800" dirty="0"/>
+              <a:t>Analisi</a:t>
+            </a:r>
+          </a:p>
+          <a:p>
+            <a:r>
+              <a:rPr lang="en-IT" sz="2800" dirty="0"/>
+              <a:t>Progettazione</a:t>
+            </a:r>
+          </a:p>
+          <a:p>
+            <a:r>
+              <a:rPr lang="en-IT" sz="2800" dirty="0"/>
+              <a:t>Sviluppo</a:t>
+            </a:r>
+          </a:p>
+          <a:p>
+            <a:r>
+              <a:rPr lang="en-IT" sz="2800" dirty="0"/>
+              <a:t>Test</a:t>
+            </a:r>
+          </a:p>
+          <a:p>
+            <a:r>
+              <a:rPr lang="en-IT" sz="2800" dirty="0"/>
+              <a:t>Produzione</a:t>
+            </a:r>
+          </a:p>
+        </p:txBody>
+      </p:sp>
+      <p:sp>
+        <p:nvSpPr>
+          <p:cNvPr id="6" name="Text Placeholder 5">
+            <a:extLst>
+              <a:ext uri="{FF2B5EF4-FFF2-40B4-BE49-F238E27FC236}">
+                <a16:creationId xmlns:a16="http://schemas.microsoft.com/office/drawing/2014/main" id="{4F800A88-0889-F645-B7B2-69C8DBC047CC}"/>
+              </a:ext>
+            </a:extLst>
+          </p:cNvPr>
+          <p:cNvSpPr>
+            <a:spLocks noGrp="1"/>
+          </p:cNvSpPr>
+          <p:nvPr>
+            <p:ph type="body" sz="quarter" idx="3"/>
+          </p:nvPr>
+        </p:nvSpPr>
+        <p:spPr/>
+        <p:txBody>
+          <a:bodyPr>
+            <a:normAutofit/>
+          </a:bodyPr>
+          <a:lstStyle/>
+          <a:p>
+            <a:r>
+              <a:rPr lang="en-IT" sz="3200" dirty="0"/>
+              <a:t>SOFTWARE</a:t>
+            </a:r>
+          </a:p>
+        </p:txBody>
+      </p:sp>
+      <p:sp>
+        <p:nvSpPr>
+          <p:cNvPr id="4" name="Content Placeholder 3">
+            <a:extLst>
+              <a:ext uri="{FF2B5EF4-FFF2-40B4-BE49-F238E27FC236}">
+                <a16:creationId xmlns:a16="http://schemas.microsoft.com/office/drawing/2014/main" id="{8EE3D831-817A-FA47-AC01-85B9DCBB7F8B}"/>
+              </a:ext>
+            </a:extLst>
+          </p:cNvPr>
+          <p:cNvSpPr>
+            <a:spLocks noGrp="1"/>
+          </p:cNvSpPr>
+          <p:nvPr>
+            <p:ph sz="quarter" idx="4"/>
+          </p:nvPr>
+        </p:nvSpPr>
+        <p:spPr>
+          <a:xfrm>
+            <a:off x="7818463" y="1930936"/>
+            <a:ext cx="3474720" cy="2542452"/>
+          </a:xfrm>
+        </p:spPr>
+        <p:txBody>
+          <a:bodyPr>
+            <a:normAutofit lnSpcReduction="10000"/>
+          </a:bodyPr>
+          <a:lstStyle/>
+          <a:p>
+            <a:r>
+              <a:rPr lang="en-IT" sz="2800" dirty="0"/>
+              <a:t>Analisi</a:t>
+            </a:r>
+          </a:p>
+          <a:p>
+            <a:r>
+              <a:rPr lang="en-IT" sz="2800" dirty="0"/>
+              <a:t>Progettazione</a:t>
+            </a:r>
+          </a:p>
+          <a:p>
+            <a:r>
+              <a:rPr lang="en-IT" sz="2800" dirty="0"/>
+              <a:t>Sviluppo</a:t>
+            </a:r>
+          </a:p>
+          <a:p>
+            <a:r>
+              <a:rPr lang="en-IT" sz="2800" dirty="0"/>
+              <a:t>Test</a:t>
+            </a:r>
+          </a:p>
+          <a:p>
+            <a:r>
+              <a:rPr lang="en-IT" sz="2800" dirty="0"/>
+              <a:t>Produzione</a:t>
+            </a:r>
+          </a:p>
+        </p:txBody>
+      </p:sp>
+    </p:spTree>
+    <p:extLst>
+      <p:ext uri="{BB962C8B-B14F-4D97-AF65-F5344CB8AC3E}">
+        <p14:creationId xmlns:p14="http://schemas.microsoft.com/office/powerpoint/2010/main" val="3973137530"/>
+      </p:ext>
+    </p:extLst>
+  </p:cSld>
+  <p:clrMapOvr>
+    <a:masterClrMapping/>
+  </p:clrMapOvr>
+</p:sld>
+</file>
+
+<file path=ppt/slides/slide3.xml><?xml version="1.0" encoding="utf-8"?>
+<p:sld xmlns:a="http://schemas.openxmlformats.org/drawingml/2006/main" xmlns:r="http://schemas.openxmlformats.org/officeDocument/2006/relationships" xmlns:p="http://schemas.openxmlformats.org/presentationml/2006/main">
+  <p:cSld>
+    <p:spTree>
+      <p:nvGrpSpPr>
+        <p:cNvPr id="1" name=""/>
+        <p:cNvGrpSpPr/>
+        <p:nvPr/>
+      </p:nvGrpSpPr>
+      <p:grpSpPr>
+        <a:xfrm>
+          <a:off x="0" y="0"/>
+          <a:ext cx="0" cy="0"/>
+          <a:chOff x="0" y="0"/>
+          <a:chExt cx="0" cy="0"/>
+        </a:xfrm>
+      </p:grpSpPr>
+      <p:sp>
+        <p:nvSpPr>
+          <p:cNvPr id="2" name="Title 1">
+            <a:extLst>
+              <a:ext uri="{FF2B5EF4-FFF2-40B4-BE49-F238E27FC236}">
+                <a16:creationId xmlns:a16="http://schemas.microsoft.com/office/drawing/2014/main" id="{741DF7E5-49C3-6C4B-9C8D-3BDB27BC5747}"/>
+              </a:ext>
+            </a:extLst>
+          </p:cNvPr>
+          <p:cNvSpPr>
+            <a:spLocks noGrp="1"/>
+          </p:cNvSpPr>
+          <p:nvPr>
+            <p:ph type="title"/>
+          </p:nvPr>
+        </p:nvSpPr>
+        <p:spPr/>
+        <p:txBody>
+          <a:bodyPr/>
+          <a:lstStyle/>
+          <a:p>
+            <a:r>
+              <a:rPr lang="en-IT" dirty="0"/>
+              <a:t>Sviluppo SOFTWARE</a:t>
+            </a:r>
+          </a:p>
+        </p:txBody>
+      </p:sp>
+      <p:sp>
+        <p:nvSpPr>
+          <p:cNvPr id="3" name="Content Placeholder 2">
+            <a:extLst>
+              <a:ext uri="{FF2B5EF4-FFF2-40B4-BE49-F238E27FC236}">
+                <a16:creationId xmlns:a16="http://schemas.microsoft.com/office/drawing/2014/main" id="{44681473-B1AB-4B49-A0AF-961E65C2FF74}"/>
+              </a:ext>
+            </a:extLst>
+          </p:cNvPr>
+          <p:cNvSpPr>
+            <a:spLocks noGrp="1"/>
+          </p:cNvSpPr>
+          <p:nvPr>
+            <p:ph idx="1"/>
+          </p:nvPr>
+        </p:nvSpPr>
+        <p:spPr/>
+        <p:txBody>
+          <a:bodyPr/>
+          <a:lstStyle/>
+          <a:p>
+            <a:pPr marL="0" indent="0">
+              <a:buNone/>
+            </a:pPr>
+            <a:r>
+              <a:rPr lang="en-IT" dirty="0"/>
+              <a:t>Molti strumenti a supporto dell’ingegneria del software:</a:t>
+            </a:r>
+          </a:p>
+          <a:p>
+            <a:r>
+              <a:rPr lang="en-IT" dirty="0"/>
+              <a:t>Sourcing</a:t>
+            </a:r>
+          </a:p>
+          <a:p>
+            <a:r>
+              <a:rPr lang="en-IT" dirty="0"/>
+              <a:t>Versioning</a:t>
+            </a:r>
+          </a:p>
+          <a:p>
+            <a:r>
+              <a:rPr lang="en-IT" dirty="0"/>
+              <a:t>...</a:t>
+            </a:r>
+          </a:p>
+        </p:txBody>
+      </p:sp>
+    </p:spTree>
+    <p:extLst>
+      <p:ext uri="{BB962C8B-B14F-4D97-AF65-F5344CB8AC3E}">
+        <p14:creationId xmlns:p14="http://schemas.microsoft.com/office/powerpoint/2010/main" val="100007925"/>
+      </p:ext>
+    </p:extLst>
+  </p:cSld>
+  <p:clrMapOvr>
+    <a:masterClrMapping/>
+  </p:clrMapOvr>
+</p:sld>
+</file>
+
+<file path=ppt/slides/slide4.xml><?xml version="1.0" encoding="utf-8"?>
+<p:sld xmlns:a="http://schemas.openxmlformats.org/drawingml/2006/main" xmlns:r="http://schemas.openxmlformats.org/officeDocument/2006/relationships" xmlns:p="http://schemas.openxmlformats.org/presentationml/2006/main">
+  <p:cSld>
+    <p:bg>
+      <p:bgPr>
+        <a:solidFill>
+          <a:schemeClr val="bg1"/>
+        </a:solidFill>
+        <a:effectLst/>
+      </p:bgPr>
+    </p:bg>
+    <p:spTree>
+      <p:nvGrpSpPr>
+        <p:cNvPr id="1" name=""/>
+        <p:cNvGrpSpPr/>
+        <p:nvPr/>
+      </p:nvGrpSpPr>
+      <p:grpSpPr>
+        <a:xfrm>
+          <a:off x="0" y="0"/>
+          <a:ext cx="0" cy="0"/>
+          <a:chOff x="0" y="0"/>
+          <a:chExt cx="0" cy="0"/>
+        </a:xfrm>
+      </p:grpSpPr>
+      <p:sp>
+        <p:nvSpPr>
+          <p:cNvPr id="12" name="Rectangle 11">
+            <a:extLst>
+              <a:ext uri="{FF2B5EF4-FFF2-40B4-BE49-F238E27FC236}">
+                <a16:creationId xmlns:a16="http://schemas.microsoft.com/office/drawing/2014/main" id="{B86EEAC6-011F-4499-ACFF-2FDC742DB06D}"/>
+              </a:ext>
+              <a:ext uri="{C183D7F6-B498-43B3-948B-1728B52AA6E4}">
+                <adec:decorative xmlns:adec="http://schemas.microsoft.com/office/drawing/2017/decorative" val="1"/>
+              </a:ext>
+            </a:extLst>
+          </p:cNvPr>
+          <p:cNvSpPr>
+            <a:spLocks noGrp="1" noRot="1" noChangeAspect="1" noMove="1" noResize="1" noEditPoints="1" noAdjustHandles="1" noChangeArrowheads="1" noChangeShapeType="1" noTextEdit="1"/>
+          </p:cNvSpPr>
+          <p:nvPr>
+            <p:extLst>
+              <p:ext uri="{386F3935-93C4-4BCD-93E2-E3B085C9AB24}">
+                <p16:designElem xmlns:p16="http://schemas.microsoft.com/office/powerpoint/2015/main" val="1"/>
+              </p:ext>
+            </p:extLst>
+          </p:nvPr>
+        </p:nvSpPr>
+        <p:spPr>
+          <a:xfrm>
+            <a:off x="1" y="758952"/>
+            <a:ext cx="3443590" cy="5330952"/>
+          </a:xfrm>
+          <a:prstGeom prst="rect">
+            <a:avLst/>
+          </a:prstGeom>
+          <a:solidFill>
+            <a:schemeClr val="accent1"/>
+          </a:solidFill>
+          <a:ln>
+            <a:noFill/>
+          </a:ln>
+        </p:spPr>
+        <p:style>
+          <a:lnRef idx="2">
+            <a:schemeClr val="accent1">
+              <a:shade val="50000"/>
+            </a:schemeClr>
+          </a:lnRef>
+          <a:fillRef idx="1">
+            <a:schemeClr val="accent1"/>
+          </a:fillRef>
+          <a:effectRef idx="0">
+            <a:schemeClr val="accent1"/>
+          </a:effectRef>
+          <a:fontRef idx="minor">
+            <a:schemeClr val="lt1"/>
+          </a:fontRef>
+        </p:style>
+      </p:sp>
+      <p:sp>
+        <p:nvSpPr>
+          <p:cNvPr id="14" name="Rectangle 13">
+            <a:extLst>
+              <a:ext uri="{FF2B5EF4-FFF2-40B4-BE49-F238E27FC236}">
+                <a16:creationId xmlns:a16="http://schemas.microsoft.com/office/drawing/2014/main" id="{6970F14D-B6E6-40EA-96B4-4E18D0CF9D8C}"/>
+              </a:ext>
+              <a:ext uri="{C183D7F6-B498-43B3-948B-1728B52AA6E4}">
+                <adec:decorative xmlns:adec="http://schemas.microsoft.com/office/drawing/2017/decorative" val="1"/>
+              </a:ext>
+            </a:extLst>
+          </p:cNvPr>
+          <p:cNvSpPr>
+            <a:spLocks noGrp="1" noRot="1" noChangeAspect="1" noMove="1" noResize="1" noEditPoints="1" noAdjustHandles="1" noChangeArrowheads="1" noChangeShapeType="1" noTextEdit="1"/>
+          </p:cNvSpPr>
+          <p:nvPr>
+            <p:extLst>
+              <p:ext uri="{386F3935-93C4-4BCD-93E2-E3B085C9AB24}">
+                <p16:designElem xmlns:p16="http://schemas.microsoft.com/office/powerpoint/2015/main" val="1"/>
+              </p:ext>
+            </p:extLst>
+          </p:nvPr>
+        </p:nvSpPr>
+        <p:spPr>
+          <a:xfrm>
+            <a:off x="11815864" y="758952"/>
+            <a:ext cx="384048" cy="5330952"/>
+          </a:xfrm>
+          <a:prstGeom prst="rect">
+            <a:avLst/>
+          </a:prstGeom>
+          <a:solidFill>
+            <a:srgbClr val="C8C8C8">
+              <a:alpha val="49804"/>
+            </a:srgbClr>
+          </a:solidFill>
+          <a:ln>
+            <a:noFill/>
+          </a:ln>
+        </p:spPr>
+        <p:style>
+          <a:lnRef idx="2">
+            <a:schemeClr val="accent1">
+              <a:shade val="50000"/>
+            </a:schemeClr>
+          </a:lnRef>
+          <a:fillRef idx="1">
+            <a:schemeClr val="accent1"/>
+          </a:fillRef>
+          <a:effectRef idx="0">
+            <a:schemeClr val="accent1"/>
+          </a:effectRef>
+          <a:fontRef idx="minor">
+            <a:schemeClr val="lt1"/>
+          </a:fontRef>
+        </p:style>
+      </p:sp>
+      <p:sp>
+        <p:nvSpPr>
+          <p:cNvPr id="16" name="Rectangle 15">
+            <a:extLst>
+              <a:ext uri="{FF2B5EF4-FFF2-40B4-BE49-F238E27FC236}">
+                <a16:creationId xmlns:a16="http://schemas.microsoft.com/office/drawing/2014/main" id="{F13A95FF-1A75-49AA-86AE-EED61BD0E408}"/>
+              </a:ext>
+              <a:ext uri="{C183D7F6-B498-43B3-948B-1728B52AA6E4}">
+                <adec:decorative xmlns:adec="http://schemas.microsoft.com/office/drawing/2017/decorative" val="1"/>
+              </a:ext>
+            </a:extLst>
+          </p:cNvPr>
+          <p:cNvSpPr>
+            <a:spLocks noGrp="1" noRot="1" noChangeAspect="1" noMove="1" noResize="1" noEditPoints="1" noAdjustHandles="1" noChangeArrowheads="1" noChangeShapeType="1" noTextEdit="1"/>
+          </p:cNvSpPr>
+          <p:nvPr>
+            <p:extLst>
+              <p:ext uri="{386F3935-93C4-4BCD-93E2-E3B085C9AB24}">
+                <p16:designElem xmlns:p16="http://schemas.microsoft.com/office/powerpoint/2015/main" val="1"/>
+              </p:ext>
+            </p:extLst>
+          </p:nvPr>
+        </p:nvSpPr>
+        <p:spPr>
+          <a:xfrm>
+            <a:off x="1" y="761999"/>
+            <a:ext cx="4642228" cy="5334001"/>
+          </a:xfrm>
+          <a:prstGeom prst="rect">
+            <a:avLst/>
+          </a:prstGeom>
+          <a:solidFill>
+            <a:schemeClr val="accent1"/>
+          </a:solidFill>
+          <a:ln>
+            <a:noFill/>
+          </a:ln>
+        </p:spPr>
+        <p:style>
+          <a:lnRef idx="2">
+            <a:schemeClr val="accent1">
+              <a:shade val="50000"/>
+            </a:schemeClr>
+          </a:lnRef>
+          <a:fillRef idx="1">
+            <a:schemeClr val="accent1"/>
+          </a:fillRef>
+          <a:effectRef idx="0">
+            <a:schemeClr val="accent1"/>
+          </a:effectRef>
+          <a:fontRef idx="minor">
+            <a:schemeClr val="lt1"/>
+          </a:fontRef>
+        </p:style>
+      </p:sp>
+      <p:sp>
+        <p:nvSpPr>
+          <p:cNvPr id="2" name="Title 1">
+            <a:extLst>
+              <a:ext uri="{FF2B5EF4-FFF2-40B4-BE49-F238E27FC236}">
+                <a16:creationId xmlns:a16="http://schemas.microsoft.com/office/drawing/2014/main" id="{60873132-BCC0-574B-B890-04D1ACE5B985}"/>
+              </a:ext>
+            </a:extLst>
+          </p:cNvPr>
+          <p:cNvSpPr>
+            <a:spLocks noGrp="1"/>
+          </p:cNvSpPr>
+          <p:nvPr>
+            <p:ph type="title"/>
+          </p:nvPr>
+        </p:nvSpPr>
+        <p:spPr>
+          <a:xfrm>
+            <a:off x="289249" y="1123837"/>
+            <a:ext cx="4016116" cy="1255469"/>
+          </a:xfrm>
+        </p:spPr>
+        <p:txBody>
+          <a:bodyPr vert="horz" lIns="91440" tIns="45720" rIns="91440" bIns="45720" rtlCol="0" anchor="ctr">
+            <a:normAutofit/>
+          </a:bodyPr>
+          <a:lstStyle/>
+          <a:p>
+            <a:r>
+              <a:rPr lang="en-US" sz="4800" b="1" dirty="0"/>
+              <a:t>seoss33</a:t>
+            </a:r>
+          </a:p>
+        </p:txBody>
+      </p:sp>
+      <p:sp>
+        <p:nvSpPr>
+          <p:cNvPr id="3" name="Content Placeholder 2">
+            <a:extLst>
+              <a:ext uri="{FF2B5EF4-FFF2-40B4-BE49-F238E27FC236}">
+                <a16:creationId xmlns:a16="http://schemas.microsoft.com/office/drawing/2014/main" id="{A705634A-24C9-AC40-85DD-42D1FEF8B36F}"/>
+              </a:ext>
+            </a:extLst>
+          </p:cNvPr>
+          <p:cNvSpPr>
+            <a:spLocks noGrp="1"/>
+          </p:cNvSpPr>
+          <p:nvPr>
+            <p:ph sz="half" idx="1"/>
+          </p:nvPr>
+        </p:nvSpPr>
+        <p:spPr>
+          <a:xfrm>
+            <a:off x="289249" y="2510395"/>
+            <a:ext cx="4016116" cy="3274586"/>
+          </a:xfrm>
+        </p:spPr>
+        <p:txBody>
+          <a:bodyPr vert="horz" lIns="91440" tIns="45720" rIns="91440" bIns="45720" rtlCol="0" anchor="t">
+            <a:normAutofit/>
+          </a:bodyPr>
+          <a:lstStyle/>
+          <a:p>
+            <a:pPr marL="0" indent="0">
+              <a:buNone/>
+            </a:pPr>
+            <a:r>
+              <a:rPr lang="en-US" dirty="0" err="1">
+                <a:solidFill>
+                  <a:srgbClr val="FFFFFF"/>
+                </a:solidFill>
+              </a:rPr>
+              <a:t>Raccolta</a:t>
+            </a:r>
+            <a:r>
+              <a:rPr lang="en-US" dirty="0">
+                <a:solidFill>
+                  <a:srgbClr val="FFFFFF"/>
+                </a:solidFill>
+              </a:rPr>
+              <a:t> di </a:t>
+            </a:r>
+            <a:r>
+              <a:rPr lang="en-US" dirty="0" err="1">
+                <a:solidFill>
+                  <a:srgbClr val="FFFFFF"/>
+                </a:solidFill>
+              </a:rPr>
+              <a:t>informazioni</a:t>
+            </a:r>
+            <a:r>
+              <a:rPr lang="en-US" dirty="0">
+                <a:solidFill>
+                  <a:srgbClr val="FFFFFF"/>
+                </a:solidFill>
+              </a:rPr>
+              <a:t> di </a:t>
+            </a:r>
+            <a:r>
+              <a:rPr lang="en-US" dirty="0" err="1">
+                <a:solidFill>
+                  <a:srgbClr val="FFFFFF"/>
+                </a:solidFill>
+              </a:rPr>
+              <a:t>sviluppo</a:t>
+            </a:r>
+            <a:r>
+              <a:rPr lang="en-US" dirty="0">
+                <a:solidFill>
+                  <a:srgbClr val="FFFFFF"/>
+                </a:solidFill>
+              </a:rPr>
+              <a:t> Open Source.</a:t>
+            </a:r>
+          </a:p>
+          <a:p>
+            <a:pPr marL="0" indent="0">
+              <a:buNone/>
+            </a:pPr>
+            <a:r>
+              <a:rPr lang="en-US" dirty="0" err="1">
+                <a:solidFill>
+                  <a:srgbClr val="FFFFFF"/>
+                </a:solidFill>
+              </a:rPr>
+              <a:t>Sviluppato</a:t>
+            </a:r>
+            <a:r>
+              <a:rPr lang="en-US" dirty="0">
+                <a:solidFill>
+                  <a:srgbClr val="FFFFFF"/>
+                </a:solidFill>
+              </a:rPr>
+              <a:t> da: ...</a:t>
+            </a:r>
+          </a:p>
+          <a:p>
+            <a:r>
+              <a:rPr lang="en-US" b="1" dirty="0">
+                <a:solidFill>
+                  <a:srgbClr val="FFFFFF"/>
+                </a:solidFill>
+              </a:rPr>
+              <a:t>33</a:t>
+            </a:r>
+            <a:r>
+              <a:rPr lang="en-US" dirty="0">
+                <a:solidFill>
+                  <a:srgbClr val="FFFFFF"/>
+                </a:solidFill>
+              </a:rPr>
+              <a:t> </a:t>
+            </a:r>
+            <a:r>
+              <a:rPr lang="en-US" dirty="0" err="1">
+                <a:solidFill>
+                  <a:srgbClr val="FFFFFF"/>
+                </a:solidFill>
+              </a:rPr>
+              <a:t>progetti</a:t>
+            </a:r>
+            <a:r>
+              <a:rPr lang="en-US" dirty="0">
+                <a:solidFill>
+                  <a:srgbClr val="FFFFFF"/>
+                </a:solidFill>
+              </a:rPr>
+              <a:t> </a:t>
+            </a:r>
+            <a:r>
+              <a:rPr lang="en-US" dirty="0" err="1">
+                <a:solidFill>
+                  <a:srgbClr val="FFFFFF"/>
+                </a:solidFill>
+              </a:rPr>
+              <a:t>informatici</a:t>
+            </a:r>
+            <a:r>
+              <a:rPr lang="en-US" dirty="0">
+                <a:solidFill>
+                  <a:srgbClr val="FFFFFF"/>
+                </a:solidFill>
+              </a:rPr>
+              <a:t> open source</a:t>
+            </a:r>
+          </a:p>
+          <a:p>
+            <a:r>
+              <a:rPr lang="en-US" dirty="0">
+                <a:solidFill>
+                  <a:srgbClr val="FFFFFF"/>
+                </a:solidFill>
+              </a:rPr>
+              <a:t>Issue, </a:t>
+            </a:r>
+            <a:r>
+              <a:rPr lang="en-US" dirty="0" err="1">
+                <a:solidFill>
+                  <a:srgbClr val="FFFFFF"/>
+                </a:solidFill>
+              </a:rPr>
+              <a:t>commenti</a:t>
+            </a:r>
+            <a:r>
+              <a:rPr lang="en-US" dirty="0">
+                <a:solidFill>
+                  <a:srgbClr val="FFFFFF"/>
+                </a:solidFill>
+              </a:rPr>
+              <a:t>, </a:t>
+            </a:r>
+            <a:r>
+              <a:rPr lang="en-US" dirty="0" err="1">
+                <a:solidFill>
+                  <a:srgbClr val="FFFFFF"/>
+                </a:solidFill>
+              </a:rPr>
+              <a:t>sviluppatori</a:t>
+            </a:r>
+            <a:r>
+              <a:rPr lang="en-US" dirty="0">
+                <a:solidFill>
+                  <a:srgbClr val="FFFFFF"/>
+                </a:solidFill>
+              </a:rPr>
+              <a:t>, </a:t>
+            </a:r>
+            <a:r>
+              <a:rPr lang="en-US" dirty="0" err="1">
+                <a:solidFill>
+                  <a:srgbClr val="FFFFFF"/>
+                </a:solidFill>
+              </a:rPr>
+              <a:t>versioni</a:t>
+            </a:r>
+            <a:r>
+              <a:rPr lang="en-US" dirty="0">
+                <a:solidFill>
+                  <a:srgbClr val="FFFFFF"/>
+                </a:solidFill>
+              </a:rPr>
+              <a:t> e tanto </a:t>
+            </a:r>
+            <a:r>
+              <a:rPr lang="en-US" dirty="0" err="1">
+                <a:solidFill>
+                  <a:srgbClr val="FFFFFF"/>
+                </a:solidFill>
+              </a:rPr>
+              <a:t>altro</a:t>
+            </a:r>
+            <a:r>
+              <a:rPr lang="en-US" dirty="0">
+                <a:solidFill>
+                  <a:srgbClr val="FFFFFF"/>
+                </a:solidFill>
+              </a:rPr>
+              <a:t>...</a:t>
+            </a:r>
+          </a:p>
+        </p:txBody>
+      </p:sp>
+      <p:pic>
+        <p:nvPicPr>
+          <p:cNvPr id="7" name="Content Placeholder 6" descr="A close up of text on a white background&#10;&#10;Description automatically generated">
+            <a:extLst>
+              <a:ext uri="{FF2B5EF4-FFF2-40B4-BE49-F238E27FC236}">
+                <a16:creationId xmlns:a16="http://schemas.microsoft.com/office/drawing/2014/main" id="{29E5DC4B-732A-A54C-8514-5F9CB9EC22AD}"/>
+              </a:ext>
+            </a:extLst>
+          </p:cNvPr>
+          <p:cNvPicPr>
+            <a:picLocks noGrp="1" noChangeAspect="1"/>
+          </p:cNvPicPr>
+          <p:nvPr>
+            <p:ph sz="half" idx="2"/>
+          </p:nvPr>
+        </p:nvPicPr>
+        <p:blipFill rotWithShape="1">
+          <a:blip r:embed="rId2"/>
+          <a:srcRect l="2" r="-5" b="-2"/>
+          <a:stretch/>
+        </p:blipFill>
+        <p:spPr>
+          <a:xfrm>
+            <a:off x="5137463" y="759599"/>
+            <a:ext cx="6193767" cy="5330305"/>
+          </a:xfrm>
+          <a:prstGeom prst="rect">
+            <a:avLst/>
+          </a:prstGeom>
+        </p:spPr>
+      </p:pic>
+    </p:spTree>
+    <p:extLst>
+      <p:ext uri="{BB962C8B-B14F-4D97-AF65-F5344CB8AC3E}">
+        <p14:creationId xmlns:p14="http://schemas.microsoft.com/office/powerpoint/2010/main" val="271184469"/>
+      </p:ext>
+    </p:extLst>
+  </p:cSld>
+  <p:clrMapOvr>
+    <a:masterClrMapping/>
+  </p:clrMapOvr>
+</p:sld>
+</file>
+
+<file path=ppt/slides/slide5.xml><?xml version="1.0" encoding="utf-8"?>
+<p:sld xmlns:a="http://schemas.openxmlformats.org/drawingml/2006/main" xmlns:r="http://schemas.openxmlformats.org/officeDocument/2006/relationships" xmlns:p="http://schemas.openxmlformats.org/presentationml/2006/main">
+  <p:cSld>
+    <p:spTree>
+      <p:nvGrpSpPr>
+        <p:cNvPr id="1" name=""/>
+        <p:cNvGrpSpPr/>
+        <p:nvPr/>
+      </p:nvGrpSpPr>
+      <p:grpSpPr>
+        <a:xfrm>
+          <a:off x="0" y="0"/>
+          <a:ext cx="0" cy="0"/>
+          <a:chOff x="0" y="0"/>
+          <a:chExt cx="0" cy="0"/>
+        </a:xfrm>
+      </p:grpSpPr>
+      <p:sp>
+        <p:nvSpPr>
+          <p:cNvPr id="2" name="Title 1">
+            <a:extLst>
+              <a:ext uri="{FF2B5EF4-FFF2-40B4-BE49-F238E27FC236}">
+                <a16:creationId xmlns:a16="http://schemas.microsoft.com/office/drawing/2014/main" id="{2CEBC86C-CEB9-FD4A-89DE-595E4BC72D4D}"/>
+              </a:ext>
+            </a:extLst>
+          </p:cNvPr>
+          <p:cNvSpPr>
+            <a:spLocks noGrp="1"/>
+          </p:cNvSpPr>
+          <p:nvPr>
+            <p:ph type="title"/>
+          </p:nvPr>
+        </p:nvSpPr>
+        <p:spPr/>
+        <p:txBody>
+          <a:bodyPr/>
+          <a:lstStyle/>
+          <a:p>
+            <a:r>
+              <a:rPr lang="en-IT" dirty="0"/>
+              <a:t>Estrazione</a:t>
+            </a:r>
+            <a:br>
+              <a:rPr lang="en-IT" dirty="0"/>
+            </a:br>
+            <a:r>
+              <a:rPr lang="en-IT" dirty="0"/>
+              <a:t>informazioni</a:t>
+            </a:r>
+          </a:p>
+        </p:txBody>
+      </p:sp>
+      <p:sp>
+        <p:nvSpPr>
+          <p:cNvPr id="3" name="Content Placeholder 2">
+            <a:extLst>
+              <a:ext uri="{FF2B5EF4-FFF2-40B4-BE49-F238E27FC236}">
+                <a16:creationId xmlns:a16="http://schemas.microsoft.com/office/drawing/2014/main" id="{683E2E03-266D-7E44-A997-FB206BC527D9}"/>
+              </a:ext>
+            </a:extLst>
+          </p:cNvPr>
+          <p:cNvSpPr>
+            <a:spLocks noGrp="1"/>
+          </p:cNvSpPr>
+          <p:nvPr>
+            <p:ph idx="1"/>
+          </p:nvPr>
+        </p:nvSpPr>
+        <p:spPr/>
+        <p:txBody>
+          <a:bodyPr/>
+          <a:lstStyle/>
+          <a:p>
+            <a:r>
+              <a:rPr lang="en-IT" dirty="0"/>
+              <a:t>Severity</a:t>
+            </a:r>
+          </a:p>
+          <a:p>
+            <a:r>
+              <a:rPr lang="en-IT" dirty="0"/>
+              <a:t>Bag of Word</a:t>
+            </a:r>
+          </a:p>
+          <a:p>
+            <a:r>
+              <a:rPr lang="en-IT" dirty="0"/>
+              <a:t>Seniority</a:t>
+            </a:r>
+          </a:p>
+          <a:p>
+            <a:r>
+              <a:rPr lang="en-IT" dirty="0"/>
+              <a:t>Versioni</a:t>
+            </a:r>
+          </a:p>
+          <a:p>
+            <a:endParaRPr lang="en-IT" dirty="0"/>
+          </a:p>
+          <a:p>
+            <a:r>
+              <a:rPr lang="en-IT" dirty="0"/>
+              <a:t>Progetti selezionati: Hadoop, Cassandra, hbase, hive, Maven </a:t>
+            </a:r>
+          </a:p>
+        </p:txBody>
+      </p:sp>
+    </p:spTree>
+    <p:extLst>
+      <p:ext uri="{BB962C8B-B14F-4D97-AF65-F5344CB8AC3E}">
+        <p14:creationId xmlns:p14="http://schemas.microsoft.com/office/powerpoint/2010/main" val="2681461737"/>
+      </p:ext>
+    </p:extLst>
+  </p:cSld>
+  <p:clrMapOvr>
+    <a:masterClrMapping/>
+  </p:clrMapOvr>
+</p:sld>
+</file>
+
+<file path=ppt/slides/slide6.xml><?xml version="1.0" encoding="utf-8"?>
+<p:sld xmlns:a="http://schemas.openxmlformats.org/drawingml/2006/main" xmlns:r="http://schemas.openxmlformats.org/officeDocument/2006/relationships" xmlns:p="http://schemas.openxmlformats.org/presentationml/2006/main">
+  <p:cSld>
+    <p:bg>
+      <p:bgPr>
+        <a:solidFill>
+          <a:schemeClr val="bg1"/>
+        </a:solidFill>
+        <a:effectLst/>
+      </p:bgPr>
+    </p:bg>
+    <p:spTree>
+      <p:nvGrpSpPr>
+        <p:cNvPr id="1" name=""/>
+        <p:cNvGrpSpPr/>
+        <p:nvPr/>
+      </p:nvGrpSpPr>
+      <p:grpSpPr>
+        <a:xfrm>
+          <a:off x="0" y="0"/>
+          <a:ext cx="0" cy="0"/>
+          <a:chOff x="0" y="0"/>
+          <a:chExt cx="0" cy="0"/>
+        </a:xfrm>
+      </p:grpSpPr>
+      <p:sp useBgFill="1">
+        <p:nvSpPr>
+          <p:cNvPr id="15" name="Rectangle 11">
+            <a:extLst>
+              <a:ext uri="{FF2B5EF4-FFF2-40B4-BE49-F238E27FC236}">
+                <a16:creationId xmlns:a16="http://schemas.microsoft.com/office/drawing/2014/main" id="{A35CBD63-8F8F-47DC-9CE7-159E6161D872}"/>
+              </a:ext>
+              <a:ext uri="{C183D7F6-B498-43B3-948B-1728B52AA6E4}">
+                <adec:decorative xmlns:adec="http://schemas.microsoft.com/office/drawing/2017/decorative" val="1"/>
+              </a:ext>
+            </a:extLst>
+          </p:cNvPr>
+          <p:cNvSpPr>
+            <a:spLocks noGrp="1" noRot="1" noChangeAspect="1" noMove="1" noResize="1" noEditPoints="1" noAdjustHandles="1" noChangeArrowheads="1" noChangeShapeType="1" noTextEdit="1"/>
+          </p:cNvSpPr>
+          <p:nvPr>
+            <p:extLst>
+              <p:ext uri="{386F3935-93C4-4BCD-93E2-E3B085C9AB24}">
+                <p16:designElem xmlns:p16="http://schemas.microsoft.com/office/powerpoint/2015/main" val="1"/>
+              </p:ext>
+            </p:extLst>
+          </p:nvPr>
+        </p:nvSpPr>
+        <p:spPr>
+          <a:xfrm>
+            <a:off x="0" y="0"/>
+            <a:ext cx="12192000" cy="6858000"/>
+          </a:xfrm>
+          <a:prstGeom prst="rect">
+            <a:avLst/>
+          </a:prstGeom>
+          <a:ln>
+            <a:noFill/>
+          </a:ln>
+        </p:spPr>
+        <p:style>
+          <a:lnRef idx="2">
+            <a:schemeClr val="accent1">
+              <a:shade val="50000"/>
+            </a:schemeClr>
+          </a:lnRef>
+          <a:fillRef idx="1">
+            <a:schemeClr val="accent1"/>
+          </a:fillRef>
+          <a:effectRef idx="0">
+            <a:schemeClr val="accent1"/>
+          </a:effectRef>
+          <a:fontRef idx="minor">
+            <a:schemeClr val="lt1"/>
+          </a:fontRef>
+        </p:style>
+        <p:txBody>
+          <a:bodyPr rtlCol="0" anchor="ctr"/>
+          <a:lstStyle/>
+          <a:p>
+            <a:pPr algn="ctr"/>
+            <a:endParaRPr lang="en-US"/>
+          </a:p>
+        </p:txBody>
+      </p:sp>
+      <p:sp>
+        <p:nvSpPr>
+          <p:cNvPr id="14" name="Rectangle 13">
+            <a:extLst>
+              <a:ext uri="{FF2B5EF4-FFF2-40B4-BE49-F238E27FC236}">
+                <a16:creationId xmlns:a16="http://schemas.microsoft.com/office/drawing/2014/main" id="{CA0E3486-FD49-4921-B4F4-E5BB5C88AC79}"/>
+              </a:ext>
+              <a:ext uri="{C183D7F6-B498-43B3-948B-1728B52AA6E4}">
+                <adec:decorative xmlns:adec="http://schemas.microsoft.com/office/drawing/2017/decorative" val="1"/>
+              </a:ext>
+            </a:extLst>
+          </p:cNvPr>
+          <p:cNvSpPr>
+            <a:spLocks noGrp="1" noRot="1" noChangeAspect="1" noMove="1" noResize="1" noEditPoints="1" noAdjustHandles="1" noChangeArrowheads="1" noChangeShapeType="1" noTextEdit="1"/>
+          </p:cNvSpPr>
+          <p:nvPr>
+            <p:extLst>
+              <p:ext uri="{386F3935-93C4-4BCD-93E2-E3B085C9AB24}">
+                <p16:designElem xmlns:p16="http://schemas.microsoft.com/office/powerpoint/2015/main" val="1"/>
+              </p:ext>
+            </p:extLst>
+          </p:nvPr>
+        </p:nvSpPr>
+        <p:spPr>
+          <a:xfrm>
+            <a:off x="-1" y="758953"/>
+            <a:ext cx="3577575" cy="5330952"/>
+          </a:xfrm>
+          <a:prstGeom prst="rect">
+            <a:avLst/>
+          </a:prstGeom>
+          <a:solidFill>
+            <a:schemeClr val="accent1"/>
+          </a:solidFill>
+          <a:ln>
+            <a:noFill/>
+          </a:ln>
+        </p:spPr>
+        <p:style>
+          <a:lnRef idx="2">
+            <a:schemeClr val="accent1">
+              <a:shade val="50000"/>
+            </a:schemeClr>
+          </a:lnRef>
+          <a:fillRef idx="1">
+            <a:schemeClr val="accent1"/>
+          </a:fillRef>
+          <a:effectRef idx="0">
+            <a:schemeClr val="accent1"/>
+          </a:effectRef>
+          <a:fontRef idx="minor">
+            <a:schemeClr val="lt1"/>
+          </a:fontRef>
+        </p:style>
+      </p:sp>
+      <p:sp>
+        <p:nvSpPr>
+          <p:cNvPr id="2" name="Title 1">
+            <a:extLst>
+              <a:ext uri="{FF2B5EF4-FFF2-40B4-BE49-F238E27FC236}">
+                <a16:creationId xmlns:a16="http://schemas.microsoft.com/office/drawing/2014/main" id="{8D8A3158-BC9D-624A-88BB-44C7AF684F9D}"/>
+              </a:ext>
+            </a:extLst>
+          </p:cNvPr>
+          <p:cNvSpPr>
+            <a:spLocks noGrp="1"/>
+          </p:cNvSpPr>
+          <p:nvPr>
+            <p:ph type="title"/>
+          </p:nvPr>
+        </p:nvSpPr>
+        <p:spPr>
+          <a:xfrm>
+            <a:off x="252919" y="1123837"/>
+            <a:ext cx="2947482" cy="1038177"/>
+          </a:xfrm>
+        </p:spPr>
+        <p:txBody>
+          <a:bodyPr anchor="b">
+            <a:normAutofit/>
+          </a:bodyPr>
+          <a:lstStyle/>
+          <a:p>
+            <a:r>
+              <a:rPr lang="en-IT" dirty="0"/>
+              <a:t>Severity</a:t>
+            </a:r>
+          </a:p>
+        </p:txBody>
+      </p:sp>
+      <p:sp>
+        <p:nvSpPr>
+          <p:cNvPr id="17" name="Content Placeholder 8">
+            <a:extLst>
+              <a:ext uri="{FF2B5EF4-FFF2-40B4-BE49-F238E27FC236}">
+                <a16:creationId xmlns:a16="http://schemas.microsoft.com/office/drawing/2014/main" id="{7A162A38-7BED-4920-AF55-CB74450D096E}"/>
+              </a:ext>
+            </a:extLst>
+          </p:cNvPr>
+          <p:cNvSpPr>
+            <a:spLocks noGrp="1"/>
+          </p:cNvSpPr>
+          <p:nvPr>
+            <p:ph idx="1"/>
+          </p:nvPr>
+        </p:nvSpPr>
+        <p:spPr>
+          <a:xfrm>
+            <a:off x="252920" y="2162014"/>
+            <a:ext cx="2947482" cy="3744264"/>
+          </a:xfrm>
+        </p:spPr>
+        <p:txBody>
+          <a:bodyPr anchor="t">
+            <a:normAutofit/>
+          </a:bodyPr>
+          <a:lstStyle/>
+          <a:p>
+            <a:pPr marL="0" indent="0">
+              <a:buNone/>
+            </a:pPr>
+            <a:r>
+              <a:rPr lang="en-US" sz="1600" dirty="0" err="1">
+                <a:solidFill>
+                  <a:srgbClr val="FFFFFF"/>
+                </a:solidFill>
+              </a:rPr>
+              <a:t>Basato</a:t>
+            </a:r>
+            <a:r>
+              <a:rPr lang="en-US" sz="1600" dirty="0">
+                <a:solidFill>
+                  <a:srgbClr val="FFFFFF"/>
+                </a:solidFill>
+              </a:rPr>
+              <a:t> </a:t>
+            </a:r>
+            <a:r>
+              <a:rPr lang="en-US" sz="1600" dirty="0" err="1">
+                <a:solidFill>
+                  <a:srgbClr val="FFFFFF"/>
+                </a:solidFill>
+              </a:rPr>
+              <a:t>su</a:t>
+            </a:r>
+            <a:r>
+              <a:rPr lang="en-US" sz="1600" dirty="0">
+                <a:solidFill>
+                  <a:srgbClr val="FFFFFF"/>
+                </a:solidFill>
+              </a:rPr>
+              <a:t> </a:t>
+            </a:r>
+            <a:r>
+              <a:rPr lang="en-US" sz="1600" b="1" i="1" dirty="0">
+                <a:solidFill>
+                  <a:srgbClr val="FFFFFF"/>
+                </a:solidFill>
+              </a:rPr>
+              <a:t>priority</a:t>
+            </a:r>
+            <a:r>
+              <a:rPr lang="en-US" sz="1600" dirty="0">
+                <a:solidFill>
+                  <a:srgbClr val="FFFFFF"/>
+                </a:solidFill>
+              </a:rPr>
+              <a:t>:</a:t>
+            </a:r>
+            <a:endParaRPr lang="en-US" sz="1400" dirty="0">
+              <a:solidFill>
+                <a:srgbClr val="FFFFFF"/>
+              </a:solidFill>
+            </a:endParaRPr>
+          </a:p>
+          <a:p>
+            <a:r>
+              <a:rPr lang="en-US" sz="1400" dirty="0">
+                <a:solidFill>
+                  <a:srgbClr val="FFFFFF"/>
+                </a:solidFill>
+              </a:rPr>
+              <a:t>Blocker</a:t>
+            </a:r>
+          </a:p>
+          <a:p>
+            <a:r>
+              <a:rPr lang="en-US" sz="1400" dirty="0">
+                <a:solidFill>
+                  <a:srgbClr val="FFFFFF"/>
+                </a:solidFill>
+              </a:rPr>
+              <a:t>Critical</a:t>
+            </a:r>
+          </a:p>
+          <a:p>
+            <a:r>
+              <a:rPr lang="en-US" sz="1400" dirty="0">
+                <a:solidFill>
+                  <a:srgbClr val="FFFFFF"/>
+                </a:solidFill>
+              </a:rPr>
+              <a:t>Major</a:t>
+            </a:r>
+          </a:p>
+          <a:p>
+            <a:r>
+              <a:rPr lang="en-US" sz="1400" dirty="0">
+                <a:solidFill>
+                  <a:srgbClr val="FFFFFF"/>
+                </a:solidFill>
+              </a:rPr>
+              <a:t>Minor</a:t>
+            </a:r>
+          </a:p>
+          <a:p>
+            <a:r>
+              <a:rPr lang="en-US" sz="1400" dirty="0">
+                <a:solidFill>
+                  <a:srgbClr val="FFFFFF"/>
+                </a:solidFill>
+              </a:rPr>
+              <a:t>Trivial</a:t>
+            </a:r>
+          </a:p>
+          <a:p>
+            <a:pPr marL="0" indent="0">
+              <a:buNone/>
+            </a:pPr>
+            <a:r>
+              <a:rPr lang="en-US" sz="1800" dirty="0" err="1">
+                <a:solidFill>
+                  <a:srgbClr val="FFFFFF"/>
+                </a:solidFill>
+              </a:rPr>
+              <a:t>Etichetta</a:t>
+            </a:r>
+            <a:r>
+              <a:rPr lang="en-US" sz="1800" dirty="0">
+                <a:solidFill>
+                  <a:srgbClr val="FFFFFF"/>
+                </a:solidFill>
+              </a:rPr>
+              <a:t> di </a:t>
+            </a:r>
+            <a:r>
+              <a:rPr lang="en-US" sz="1800" dirty="0" err="1">
+                <a:solidFill>
+                  <a:srgbClr val="FFFFFF"/>
+                </a:solidFill>
+              </a:rPr>
+              <a:t>priorità</a:t>
+            </a:r>
+            <a:r>
+              <a:rPr lang="en-US" sz="1800" dirty="0">
+                <a:solidFill>
+                  <a:srgbClr val="FFFFFF"/>
+                </a:solidFill>
+              </a:rPr>
+              <a:t> </a:t>
+            </a:r>
+            <a:r>
+              <a:rPr lang="en-US" sz="1800" dirty="0" err="1">
+                <a:solidFill>
+                  <a:srgbClr val="FFFFFF"/>
+                </a:solidFill>
+              </a:rPr>
+              <a:t>della</a:t>
+            </a:r>
+            <a:r>
+              <a:rPr lang="en-US" sz="1800" dirty="0">
+                <a:solidFill>
+                  <a:srgbClr val="FFFFFF"/>
+                </a:solidFill>
+              </a:rPr>
+              <a:t> issue </a:t>
+            </a:r>
+            <a:r>
+              <a:rPr lang="en-US" sz="1800" dirty="0" err="1">
+                <a:solidFill>
+                  <a:srgbClr val="FFFFFF"/>
+                </a:solidFill>
+              </a:rPr>
+              <a:t>riportata</a:t>
+            </a:r>
+            <a:endParaRPr lang="en-US" dirty="0">
+              <a:solidFill>
+                <a:srgbClr val="FFFFFF"/>
+              </a:solidFill>
+            </a:endParaRPr>
+          </a:p>
+        </p:txBody>
+      </p:sp>
+      <p:pic>
+        <p:nvPicPr>
+          <p:cNvPr id="5" name="Content Placeholder 4" descr="A screenshot of a cell phone&#10;&#10;Description automatically generated">
+            <a:extLst>
+              <a:ext uri="{FF2B5EF4-FFF2-40B4-BE49-F238E27FC236}">
+                <a16:creationId xmlns:a16="http://schemas.microsoft.com/office/drawing/2014/main" id="{B3AA6533-90E4-7443-890D-61954DCE8D64}"/>
+              </a:ext>
+            </a:extLst>
+          </p:cNvPr>
+          <p:cNvPicPr>
+            <a:picLocks noChangeAspect="1"/>
+          </p:cNvPicPr>
+          <p:nvPr/>
+        </p:nvPicPr>
+        <p:blipFill>
+          <a:blip r:embed="rId2"/>
+          <a:stretch>
+            <a:fillRect/>
+          </a:stretch>
+        </p:blipFill>
+        <p:spPr>
+          <a:xfrm>
+            <a:off x="4059935" y="1182472"/>
+            <a:ext cx="7491363" cy="4476091"/>
+          </a:xfrm>
+          <a:prstGeom prst="rect">
+            <a:avLst/>
+          </a:prstGeom>
+        </p:spPr>
+      </p:pic>
+      <p:sp>
+        <p:nvSpPr>
+          <p:cNvPr id="16" name="Rectangle 15">
+            <a:extLst>
+              <a:ext uri="{FF2B5EF4-FFF2-40B4-BE49-F238E27FC236}">
+                <a16:creationId xmlns:a16="http://schemas.microsoft.com/office/drawing/2014/main" id="{83B4A72C-2924-4CE2-8674-7E02E182ED6D}"/>
+              </a:ext>
+              <a:ext uri="{C183D7F6-B498-43B3-948B-1728B52AA6E4}">
+                <adec:decorative xmlns:adec="http://schemas.microsoft.com/office/drawing/2017/decorative" val="1"/>
+              </a:ext>
+            </a:extLst>
+          </p:cNvPr>
+          <p:cNvSpPr>
+            <a:spLocks noGrp="1" noRot="1" noChangeAspect="1" noMove="1" noResize="1" noEditPoints="1" noAdjustHandles="1" noChangeArrowheads="1" noChangeShapeType="1" noTextEdit="1"/>
+          </p:cNvSpPr>
+          <p:nvPr>
+            <p:extLst>
+              <p:ext uri="{386F3935-93C4-4BCD-93E2-E3B085C9AB24}">
+                <p16:designElem xmlns:p16="http://schemas.microsoft.com/office/powerpoint/2015/main" val="1"/>
+              </p:ext>
+            </p:extLst>
+          </p:nvPr>
+        </p:nvSpPr>
+        <p:spPr>
+          <a:xfrm>
+            <a:off x="11815864" y="758952"/>
+            <a:ext cx="384048" cy="5330952"/>
+          </a:xfrm>
+          <a:prstGeom prst="rect">
+            <a:avLst/>
+          </a:prstGeom>
+          <a:solidFill>
+            <a:srgbClr val="C8C8C8">
+              <a:alpha val="49804"/>
+            </a:srgbClr>
+          </a:solidFill>
+          <a:ln>
+            <a:noFill/>
+          </a:ln>
+        </p:spPr>
+        <p:style>
+          <a:lnRef idx="2">
+            <a:schemeClr val="accent1">
+              <a:shade val="50000"/>
+            </a:schemeClr>
+          </a:lnRef>
+          <a:fillRef idx="1">
+            <a:schemeClr val="accent1"/>
+          </a:fillRef>
+          <a:effectRef idx="0">
+            <a:schemeClr val="accent1"/>
+          </a:effectRef>
+          <a:fontRef idx="minor">
+            <a:schemeClr val="lt1"/>
+          </a:fontRef>
+        </p:style>
+      </p:sp>
+    </p:spTree>
+    <p:extLst>
+      <p:ext uri="{BB962C8B-B14F-4D97-AF65-F5344CB8AC3E}">
+        <p14:creationId xmlns:p14="http://schemas.microsoft.com/office/powerpoint/2010/main" val="1216395735"/>
+      </p:ext>
+    </p:extLst>
+  </p:cSld>
+  <p:clrMapOvr>
+    <a:masterClrMapping/>
+  </p:clrMapOvr>
+</p:sld>
+</file>
+
+<file path=ppt/slides/slide7.xml><?xml version="1.0" encoding="utf-8"?>
+<p:sld xmlns:a="http://schemas.openxmlformats.org/drawingml/2006/main" xmlns:r="http://schemas.openxmlformats.org/officeDocument/2006/relationships" xmlns:p="http://schemas.openxmlformats.org/presentationml/2006/main">
+  <p:cSld>
+    <p:spTree>
+      <p:nvGrpSpPr>
+        <p:cNvPr id="1" name=""/>
+        <p:cNvGrpSpPr/>
+        <p:nvPr/>
+      </p:nvGrpSpPr>
+      <p:grpSpPr>
+        <a:xfrm>
+          <a:off x="0" y="0"/>
+          <a:ext cx="0" cy="0"/>
+          <a:chOff x="0" y="0"/>
+          <a:chExt cx="0" cy="0"/>
+        </a:xfrm>
+      </p:grpSpPr>
+      <p:sp>
+        <p:nvSpPr>
+          <p:cNvPr id="2" name="Title 1">
+            <a:extLst>
+              <a:ext uri="{FF2B5EF4-FFF2-40B4-BE49-F238E27FC236}">
+                <a16:creationId xmlns:a16="http://schemas.microsoft.com/office/drawing/2014/main" id="{8D8A3158-BC9D-624A-88BB-44C7AF684F9D}"/>
+              </a:ext>
+            </a:extLst>
+          </p:cNvPr>
+          <p:cNvSpPr>
+            <a:spLocks noGrp="1"/>
+          </p:cNvSpPr>
+          <p:nvPr>
+            <p:ph type="title"/>
+          </p:nvPr>
+        </p:nvSpPr>
+        <p:spPr>
+          <a:xfrm>
+            <a:off x="252919" y="1123837"/>
+            <a:ext cx="2947482" cy="1038177"/>
+          </a:xfrm>
+        </p:spPr>
+        <p:txBody>
+          <a:bodyPr anchor="b">
+            <a:normAutofit/>
+          </a:bodyPr>
+          <a:lstStyle/>
+          <a:p>
+            <a:r>
+              <a:rPr lang="en-IT" dirty="0"/>
+              <a:t>Severity</a:t>
+            </a:r>
+          </a:p>
+        </p:txBody>
+      </p:sp>
+      <p:sp>
+        <p:nvSpPr>
+          <p:cNvPr id="17" name="Content Placeholder 8">
+            <a:extLst>
+              <a:ext uri="{FF2B5EF4-FFF2-40B4-BE49-F238E27FC236}">
+                <a16:creationId xmlns:a16="http://schemas.microsoft.com/office/drawing/2014/main" id="{7A162A38-7BED-4920-AF55-CB74450D096E}"/>
+              </a:ext>
+            </a:extLst>
+          </p:cNvPr>
+          <p:cNvSpPr>
+            <a:spLocks noGrp="1"/>
+          </p:cNvSpPr>
+          <p:nvPr>
+            <p:ph idx="1"/>
+          </p:nvPr>
+        </p:nvSpPr>
+        <p:spPr>
+          <a:xfrm>
+            <a:off x="252920" y="2162014"/>
+            <a:ext cx="2947482" cy="3744264"/>
+          </a:xfrm>
+        </p:spPr>
+        <p:txBody>
+          <a:bodyPr anchor="t">
+            <a:normAutofit/>
+          </a:bodyPr>
+          <a:lstStyle/>
+          <a:p>
+            <a:pPr marL="0" indent="0">
+              <a:buNone/>
+            </a:pPr>
+            <a:r>
+              <a:rPr lang="en-US" dirty="0" err="1">
+                <a:solidFill>
+                  <a:srgbClr val="FFFFFF"/>
+                </a:solidFill>
+              </a:rPr>
+              <a:t>Rapporto</a:t>
+            </a:r>
+            <a:r>
+              <a:rPr lang="en-US" dirty="0">
+                <a:solidFill>
+                  <a:srgbClr val="FFFFFF"/>
+                </a:solidFill>
+              </a:rPr>
+              <a:t> </a:t>
+            </a:r>
+            <a:r>
+              <a:rPr lang="en-US" dirty="0" err="1">
+                <a:solidFill>
+                  <a:srgbClr val="FFFFFF"/>
+                </a:solidFill>
+              </a:rPr>
+              <a:t>tra</a:t>
+            </a:r>
+            <a:r>
+              <a:rPr lang="en-US" dirty="0">
+                <a:solidFill>
+                  <a:srgbClr val="FFFFFF"/>
+                </a:solidFill>
+              </a:rPr>
+              <a:t> </a:t>
+            </a:r>
+            <a:r>
+              <a:rPr lang="en-US" dirty="0" err="1">
+                <a:solidFill>
+                  <a:srgbClr val="FFFFFF"/>
+                </a:solidFill>
+              </a:rPr>
+              <a:t>il</a:t>
+            </a:r>
+            <a:r>
+              <a:rPr lang="en-US" dirty="0">
+                <a:solidFill>
+                  <a:srgbClr val="FFFFFF"/>
+                </a:solidFill>
+              </a:rPr>
+              <a:t> valor medio </a:t>
+            </a:r>
+            <a:r>
+              <a:rPr lang="en-US" dirty="0" err="1">
+                <a:solidFill>
+                  <a:srgbClr val="FFFFFF"/>
+                </a:solidFill>
+              </a:rPr>
+              <a:t>delle</a:t>
+            </a:r>
+            <a:r>
+              <a:rPr lang="en-US" dirty="0">
+                <a:solidFill>
+                  <a:srgbClr val="FFFFFF"/>
+                </a:solidFill>
+              </a:rPr>
+              <a:t> </a:t>
+            </a:r>
+            <a:r>
+              <a:rPr lang="en-US" dirty="0" err="1">
+                <a:solidFill>
+                  <a:srgbClr val="FFFFFF"/>
+                </a:solidFill>
+              </a:rPr>
+              <a:t>differenti</a:t>
+            </a:r>
+            <a:r>
+              <a:rPr lang="en-US" dirty="0">
+                <a:solidFill>
+                  <a:srgbClr val="FFFFFF"/>
+                </a:solidFill>
+              </a:rPr>
+              <a:t> </a:t>
+            </a:r>
+            <a:r>
+              <a:rPr lang="en-US" dirty="0" err="1">
+                <a:solidFill>
+                  <a:srgbClr val="FFFFFF"/>
+                </a:solidFill>
+              </a:rPr>
+              <a:t>distribuzioni</a:t>
+            </a:r>
+            <a:r>
+              <a:rPr lang="en-US" dirty="0">
+                <a:solidFill>
+                  <a:srgbClr val="FFFFFF"/>
+                </a:solidFill>
+              </a:rPr>
+              <a:t> </a:t>
+            </a:r>
+            <a:r>
+              <a:rPr lang="en-US" dirty="0" err="1">
+                <a:solidFill>
+                  <a:srgbClr val="FFFFFF"/>
+                </a:solidFill>
+              </a:rPr>
+              <a:t>sulla</a:t>
+            </a:r>
+            <a:r>
+              <a:rPr lang="en-US" dirty="0">
+                <a:solidFill>
+                  <a:srgbClr val="FFFFFF"/>
+                </a:solidFill>
+              </a:rPr>
+              <a:t> </a:t>
+            </a:r>
+            <a:r>
+              <a:rPr lang="en-US" dirty="0" err="1">
+                <a:solidFill>
+                  <a:srgbClr val="FFFFFF"/>
+                </a:solidFill>
+              </a:rPr>
+              <a:t>priorità</a:t>
+            </a:r>
+            <a:r>
+              <a:rPr lang="en-US" dirty="0">
+                <a:solidFill>
+                  <a:srgbClr val="FFFFFF"/>
+                </a:solidFill>
+              </a:rPr>
+              <a:t>.</a:t>
+            </a:r>
+          </a:p>
+        </p:txBody>
+      </p:sp>
+      <p:pic>
+        <p:nvPicPr>
+          <p:cNvPr id="5" name="Content Placeholder 4">
+            <a:extLst>
+              <a:ext uri="{FF2B5EF4-FFF2-40B4-BE49-F238E27FC236}">
+                <a16:creationId xmlns:a16="http://schemas.microsoft.com/office/drawing/2014/main" id="{B3AA6533-90E4-7443-890D-61954DCE8D64}"/>
+              </a:ext>
+            </a:extLst>
+          </p:cNvPr>
+          <p:cNvPicPr>
+            <a:picLocks noChangeAspect="1"/>
+          </p:cNvPicPr>
+          <p:nvPr/>
+        </p:nvPicPr>
+        <p:blipFill>
+          <a:blip r:embed="rId2"/>
+          <a:srcRect/>
+          <a:stretch/>
+        </p:blipFill>
+        <p:spPr>
+          <a:xfrm>
+            <a:off x="5307106" y="251588"/>
+            <a:ext cx="5127812" cy="6354824"/>
+          </a:xfrm>
+          <a:prstGeom prst="rect">
+            <a:avLst/>
+          </a:prstGeom>
+        </p:spPr>
+      </p:pic>
+    </p:spTree>
+    <p:extLst>
+      <p:ext uri="{BB962C8B-B14F-4D97-AF65-F5344CB8AC3E}">
+        <p14:creationId xmlns:p14="http://schemas.microsoft.com/office/powerpoint/2010/main" val="1070453206"/>
+      </p:ext>
+    </p:extLst>
+  </p:cSld>
+  <p:clrMapOvr>
+    <a:masterClrMapping/>
+  </p:clrMapOvr>
+</p:sld>
+</file>
+
 <file path=ppt/theme/theme1.xml><?xml version="1.0" encoding="utf-8"?>
 <a:theme xmlns:a="http://schemas.openxmlformats.org/drawingml/2006/main" name="Frame">
   <a:themeElements>
